--- a/개인프로젝트_산출물/2.설계단계/화면설계.pptx
+++ b/개인프로젝트_산출물/2.설계단계/화면설계.pptx
@@ -276,7 +276,7 @@
           <a:p>
             <a:fld id="{D28CB8C4-CEB6-4B68-8FEF-AADA8206D226}" type="datetimeFigureOut">
               <a:rPr lang="ko-KR" altLang="en-US" smtClean="0"/>
-              <a:t>2023-04-11</a:t>
+              <a:t>2023-04-19</a:t>
             </a:fld>
             <a:endParaRPr lang="ko-KR" altLang="en-US"/>
           </a:p>
@@ -474,7 +474,7 @@
           <a:p>
             <a:fld id="{D28CB8C4-CEB6-4B68-8FEF-AADA8206D226}" type="datetimeFigureOut">
               <a:rPr lang="ko-KR" altLang="en-US" smtClean="0"/>
-              <a:t>2023-04-11</a:t>
+              <a:t>2023-04-19</a:t>
             </a:fld>
             <a:endParaRPr lang="ko-KR" altLang="en-US"/>
           </a:p>
@@ -682,7 +682,7 @@
           <a:p>
             <a:fld id="{D28CB8C4-CEB6-4B68-8FEF-AADA8206D226}" type="datetimeFigureOut">
               <a:rPr lang="ko-KR" altLang="en-US" smtClean="0"/>
-              <a:t>2023-04-11</a:t>
+              <a:t>2023-04-19</a:t>
             </a:fld>
             <a:endParaRPr lang="ko-KR" altLang="en-US"/>
           </a:p>
@@ -880,7 +880,7 @@
           <a:p>
             <a:fld id="{D28CB8C4-CEB6-4B68-8FEF-AADA8206D226}" type="datetimeFigureOut">
               <a:rPr lang="ko-KR" altLang="en-US" smtClean="0"/>
-              <a:t>2023-04-11</a:t>
+              <a:t>2023-04-19</a:t>
             </a:fld>
             <a:endParaRPr lang="ko-KR" altLang="en-US"/>
           </a:p>
@@ -1155,7 +1155,7 @@
           <a:p>
             <a:fld id="{D28CB8C4-CEB6-4B68-8FEF-AADA8206D226}" type="datetimeFigureOut">
               <a:rPr lang="ko-KR" altLang="en-US" smtClean="0"/>
-              <a:t>2023-04-11</a:t>
+              <a:t>2023-04-19</a:t>
             </a:fld>
             <a:endParaRPr lang="ko-KR" altLang="en-US"/>
           </a:p>
@@ -1420,7 +1420,7 @@
           <a:p>
             <a:fld id="{D28CB8C4-CEB6-4B68-8FEF-AADA8206D226}" type="datetimeFigureOut">
               <a:rPr lang="ko-KR" altLang="en-US" smtClean="0"/>
-              <a:t>2023-04-11</a:t>
+              <a:t>2023-04-19</a:t>
             </a:fld>
             <a:endParaRPr lang="ko-KR" altLang="en-US"/>
           </a:p>
@@ -1832,7 +1832,7 @@
           <a:p>
             <a:fld id="{D28CB8C4-CEB6-4B68-8FEF-AADA8206D226}" type="datetimeFigureOut">
               <a:rPr lang="ko-KR" altLang="en-US" smtClean="0"/>
-              <a:t>2023-04-11</a:t>
+              <a:t>2023-04-19</a:t>
             </a:fld>
             <a:endParaRPr lang="ko-KR" altLang="en-US"/>
           </a:p>
@@ -2113,7 +2113,7 @@
           <a:p>
             <a:fld id="{D28CB8C4-CEB6-4B68-8FEF-AADA8206D226}" type="datetimeFigureOut">
               <a:rPr lang="ko-KR" altLang="en-US" smtClean="0"/>
-              <a:t>2023-04-11</a:t>
+              <a:t>2023-04-19</a:t>
             </a:fld>
             <a:endParaRPr lang="ko-KR" altLang="en-US"/>
           </a:p>
@@ -2424,7 +2424,7 @@
           <a:p>
             <a:fld id="{D28CB8C4-CEB6-4B68-8FEF-AADA8206D226}" type="datetimeFigureOut">
               <a:rPr lang="ko-KR" altLang="en-US" smtClean="0"/>
-              <a:t>2023-04-11</a:t>
+              <a:t>2023-04-19</a:t>
             </a:fld>
             <a:endParaRPr lang="ko-KR" altLang="en-US"/>
           </a:p>
@@ -2712,7 +2712,7 @@
           <a:p>
             <a:fld id="{D28CB8C4-CEB6-4B68-8FEF-AADA8206D226}" type="datetimeFigureOut">
               <a:rPr lang="ko-KR" altLang="en-US" smtClean="0"/>
-              <a:t>2023-04-11</a:t>
+              <a:t>2023-04-19</a:t>
             </a:fld>
             <a:endParaRPr lang="ko-KR" altLang="en-US"/>
           </a:p>
@@ -2953,7 +2953,7 @@
           <a:p>
             <a:fld id="{D28CB8C4-CEB6-4B68-8FEF-AADA8206D226}" type="datetimeFigureOut">
               <a:rPr lang="ko-KR" altLang="en-US" smtClean="0"/>
-              <a:t>2023-04-11</a:t>
+              <a:t>2023-04-19</a:t>
             </a:fld>
             <a:endParaRPr lang="ko-KR" altLang="en-US"/>
           </a:p>
@@ -4565,277 +4565,6 @@
           </a:p>
         </p:txBody>
       </p:sp>
-      <p:cxnSp>
-        <p:nvCxnSpPr>
-          <p:cNvPr id="9" name="직선 연결선 8">
-            <a:extLst>
-              <a:ext uri="{FF2B5EF4-FFF2-40B4-BE49-F238E27FC236}">
-                <a16:creationId xmlns:a16="http://schemas.microsoft.com/office/drawing/2014/main" id="{9F4D797E-1377-B461-FC55-0090A49B2563}"/>
-              </a:ext>
-            </a:extLst>
-          </p:cNvPr>
-          <p:cNvCxnSpPr/>
-          <p:nvPr/>
-        </p:nvCxnSpPr>
-        <p:spPr>
-          <a:xfrm>
-            <a:off x="4479636" y="4137891"/>
-            <a:ext cx="5375564" cy="0"/>
-          </a:xfrm>
-          <a:prstGeom prst="line">
-            <a:avLst/>
-          </a:prstGeom>
-        </p:spPr>
-        <p:style>
-          <a:lnRef idx="1">
-            <a:schemeClr val="dk1"/>
-          </a:lnRef>
-          <a:fillRef idx="0">
-            <a:schemeClr val="dk1"/>
-          </a:fillRef>
-          <a:effectRef idx="0">
-            <a:schemeClr val="dk1"/>
-          </a:effectRef>
-          <a:fontRef idx="minor">
-            <a:schemeClr val="tx1"/>
-          </a:fontRef>
-        </p:style>
-      </p:cxnSp>
-      <p:sp>
-        <p:nvSpPr>
-          <p:cNvPr id="10" name="타원 9">
-            <a:extLst>
-              <a:ext uri="{FF2B5EF4-FFF2-40B4-BE49-F238E27FC236}">
-                <a16:creationId xmlns:a16="http://schemas.microsoft.com/office/drawing/2014/main" id="{59BD9A75-A857-DEE2-51B0-F8333773DA0D}"/>
-              </a:ext>
-            </a:extLst>
-          </p:cNvPr>
-          <p:cNvSpPr/>
-          <p:nvPr/>
-        </p:nvSpPr>
-        <p:spPr>
-          <a:xfrm>
-            <a:off x="4276436" y="3909290"/>
-            <a:ext cx="535709" cy="457201"/>
-          </a:xfrm>
-          <a:prstGeom prst="ellipse">
-            <a:avLst/>
-          </a:prstGeom>
-          <a:solidFill>
-            <a:schemeClr val="accent6"/>
-          </a:solidFill>
-        </p:spPr>
-        <p:style>
-          <a:lnRef idx="2">
-            <a:schemeClr val="dk1"/>
-          </a:lnRef>
-          <a:fillRef idx="1">
-            <a:schemeClr val="lt1"/>
-          </a:fillRef>
-          <a:effectRef idx="0">
-            <a:schemeClr val="dk1"/>
-          </a:effectRef>
-          <a:fontRef idx="minor">
-            <a:schemeClr val="dk1"/>
-          </a:fontRef>
-        </p:style>
-        <p:txBody>
-          <a:bodyPr rtlCol="0" anchor="ctr"/>
-          <a:lstStyle/>
-          <a:p>
-            <a:pPr algn="ctr"/>
-            <a:endParaRPr lang="ko-KR" altLang="en-US"/>
-          </a:p>
-        </p:txBody>
-      </p:sp>
-      <p:sp>
-        <p:nvSpPr>
-          <p:cNvPr id="11" name="타원 10">
-            <a:extLst>
-              <a:ext uri="{FF2B5EF4-FFF2-40B4-BE49-F238E27FC236}">
-                <a16:creationId xmlns:a16="http://schemas.microsoft.com/office/drawing/2014/main" id="{D574BD97-CCFF-8732-C9F0-4F29D36599F3}"/>
-              </a:ext>
-            </a:extLst>
-          </p:cNvPr>
-          <p:cNvSpPr/>
-          <p:nvPr/>
-        </p:nvSpPr>
-        <p:spPr>
-          <a:xfrm>
-            <a:off x="5523345" y="3909289"/>
-            <a:ext cx="535709" cy="457201"/>
-          </a:xfrm>
-          <a:prstGeom prst="ellipse">
-            <a:avLst/>
-          </a:prstGeom>
-          <a:solidFill>
-            <a:srgbClr val="FFFF00"/>
-          </a:solidFill>
-        </p:spPr>
-        <p:style>
-          <a:lnRef idx="2">
-            <a:schemeClr val="dk1"/>
-          </a:lnRef>
-          <a:fillRef idx="1">
-            <a:schemeClr val="lt1"/>
-          </a:fillRef>
-          <a:effectRef idx="0">
-            <a:schemeClr val="dk1"/>
-          </a:effectRef>
-          <a:fontRef idx="minor">
-            <a:schemeClr val="dk1"/>
-          </a:fontRef>
-        </p:style>
-        <p:txBody>
-          <a:bodyPr rtlCol="0" anchor="ctr"/>
-          <a:lstStyle/>
-          <a:p>
-            <a:pPr algn="ctr"/>
-            <a:endParaRPr lang="ko-KR" altLang="en-US"/>
-          </a:p>
-        </p:txBody>
-      </p:sp>
-      <p:sp>
-        <p:nvSpPr>
-          <p:cNvPr id="12" name="타원 11">
-            <a:extLst>
-              <a:ext uri="{FF2B5EF4-FFF2-40B4-BE49-F238E27FC236}">
-                <a16:creationId xmlns:a16="http://schemas.microsoft.com/office/drawing/2014/main" id="{64A6FC11-0AC6-E0A5-11F7-0D537DFCC520}"/>
-              </a:ext>
-            </a:extLst>
-          </p:cNvPr>
-          <p:cNvSpPr/>
-          <p:nvPr/>
-        </p:nvSpPr>
-        <p:spPr>
-          <a:xfrm>
-            <a:off x="7162799" y="3916215"/>
-            <a:ext cx="535709" cy="457201"/>
-          </a:xfrm>
-          <a:prstGeom prst="ellipse">
-            <a:avLst/>
-          </a:prstGeom>
-          <a:solidFill>
-            <a:srgbClr val="FF0000"/>
-          </a:solidFill>
-        </p:spPr>
-        <p:style>
-          <a:lnRef idx="2">
-            <a:schemeClr val="dk1"/>
-          </a:lnRef>
-          <a:fillRef idx="1">
-            <a:schemeClr val="lt1"/>
-          </a:fillRef>
-          <a:effectRef idx="0">
-            <a:schemeClr val="dk1"/>
-          </a:effectRef>
-          <a:fontRef idx="minor">
-            <a:schemeClr val="dk1"/>
-          </a:fontRef>
-        </p:style>
-        <p:txBody>
-          <a:bodyPr rtlCol="0" anchor="ctr"/>
-          <a:lstStyle/>
-          <a:p>
-            <a:pPr algn="ctr"/>
-            <a:endParaRPr lang="ko-KR" altLang="en-US"/>
-          </a:p>
-        </p:txBody>
-      </p:sp>
-      <p:sp>
-        <p:nvSpPr>
-          <p:cNvPr id="13" name="타원 12">
-            <a:extLst>
-              <a:ext uri="{FF2B5EF4-FFF2-40B4-BE49-F238E27FC236}">
-                <a16:creationId xmlns:a16="http://schemas.microsoft.com/office/drawing/2014/main" id="{9FD585DC-D7BF-DCC5-881D-C45CDB294AAB}"/>
-              </a:ext>
-            </a:extLst>
-          </p:cNvPr>
-          <p:cNvSpPr/>
-          <p:nvPr/>
-        </p:nvSpPr>
-        <p:spPr>
-          <a:xfrm>
-            <a:off x="8522852" y="3957780"/>
-            <a:ext cx="535709" cy="457201"/>
-          </a:xfrm>
-          <a:prstGeom prst="ellipse">
-            <a:avLst/>
-          </a:prstGeom>
-          <a:solidFill>
-            <a:srgbClr val="FF0000"/>
-          </a:solidFill>
-        </p:spPr>
-        <p:style>
-          <a:lnRef idx="2">
-            <a:schemeClr val="dk1"/>
-          </a:lnRef>
-          <a:fillRef idx="1">
-            <a:schemeClr val="lt1"/>
-          </a:fillRef>
-          <a:effectRef idx="0">
-            <a:schemeClr val="dk1"/>
-          </a:effectRef>
-          <a:fontRef idx="minor">
-            <a:schemeClr val="dk1"/>
-          </a:fontRef>
-        </p:style>
-        <p:txBody>
-          <a:bodyPr rtlCol="0" anchor="ctr"/>
-          <a:lstStyle/>
-          <a:p>
-            <a:pPr algn="ctr"/>
-            <a:endParaRPr lang="ko-KR" altLang="en-US"/>
-          </a:p>
-        </p:txBody>
-      </p:sp>
-      <p:sp>
-        <p:nvSpPr>
-          <p:cNvPr id="14" name="타원 13">
-            <a:extLst>
-              <a:ext uri="{FF2B5EF4-FFF2-40B4-BE49-F238E27FC236}">
-                <a16:creationId xmlns:a16="http://schemas.microsoft.com/office/drawing/2014/main" id="{4CDCD51A-7A7A-D5BD-EE4F-CD15309FBB9B}"/>
-              </a:ext>
-            </a:extLst>
-          </p:cNvPr>
-          <p:cNvSpPr/>
-          <p:nvPr/>
-        </p:nvSpPr>
-        <p:spPr>
-          <a:xfrm>
-            <a:off x="9615050" y="3957779"/>
-            <a:ext cx="535709" cy="457201"/>
-          </a:xfrm>
-          <a:prstGeom prst="ellipse">
-            <a:avLst/>
-          </a:prstGeom>
-          <a:solidFill>
-            <a:srgbClr val="FF0000"/>
-          </a:solidFill>
-        </p:spPr>
-        <p:style>
-          <a:lnRef idx="2">
-            <a:schemeClr val="dk1"/>
-          </a:lnRef>
-          <a:fillRef idx="1">
-            <a:schemeClr val="lt1"/>
-          </a:fillRef>
-          <a:effectRef idx="0">
-            <a:schemeClr val="dk1"/>
-          </a:effectRef>
-          <a:fontRef idx="minor">
-            <a:schemeClr val="dk1"/>
-          </a:fontRef>
-        </p:style>
-        <p:txBody>
-          <a:bodyPr rtlCol="0" anchor="ctr"/>
-          <a:lstStyle/>
-          <a:p>
-            <a:pPr algn="ctr"/>
-            <a:endParaRPr lang="ko-KR" altLang="en-US"/>
-          </a:p>
-        </p:txBody>
-      </p:sp>
       <p:sp>
         <p:nvSpPr>
           <p:cNvPr id="15" name="별: 꼭짓점 5개 14">
@@ -4880,6 +4609,101 @@
           <a:p>
             <a:pPr algn="ctr"/>
             <a:endParaRPr lang="ko-KR" altLang="en-US"/>
+          </a:p>
+        </p:txBody>
+      </p:sp>
+      <p:sp>
+        <p:nvSpPr>
+          <p:cNvPr id="8" name="직사각형 7">
+            <a:extLst>
+              <a:ext uri="{FF2B5EF4-FFF2-40B4-BE49-F238E27FC236}">
+                <a16:creationId xmlns:a16="http://schemas.microsoft.com/office/drawing/2014/main" id="{9DA04780-0160-3377-13B9-F40A96393FA2}"/>
+              </a:ext>
+            </a:extLst>
+          </p:cNvPr>
+          <p:cNvSpPr/>
+          <p:nvPr/>
+        </p:nvSpPr>
+        <p:spPr>
+          <a:xfrm>
+            <a:off x="4156364" y="2724727"/>
+            <a:ext cx="6354617" cy="3325091"/>
+          </a:xfrm>
+          <a:prstGeom prst="rect">
+            <a:avLst/>
+          </a:prstGeom>
+        </p:spPr>
+        <p:style>
+          <a:lnRef idx="2">
+            <a:schemeClr val="dk1"/>
+          </a:lnRef>
+          <a:fillRef idx="1">
+            <a:schemeClr val="lt1"/>
+          </a:fillRef>
+          <a:effectRef idx="0">
+            <a:schemeClr val="dk1"/>
+          </a:effectRef>
+          <a:fontRef idx="minor">
+            <a:schemeClr val="dk1"/>
+          </a:fontRef>
+        </p:style>
+        <p:txBody>
+          <a:bodyPr rtlCol="0" anchor="ctr"/>
+          <a:lstStyle/>
+          <a:p>
+            <a:pPr algn="just"/>
+            <a:r>
+              <a:rPr lang="ko-KR" altLang="en-US" dirty="0"/>
+              <a:t>서울역</a:t>
+            </a:r>
+            <a:r>
+              <a:rPr lang="en-US" altLang="ko-KR" dirty="0"/>
+              <a:t>-&gt;</a:t>
+            </a:r>
+            <a:r>
+              <a:rPr lang="ko-KR" altLang="en-US" dirty="0"/>
+              <a:t>왕십리역</a:t>
+            </a:r>
+            <a:r>
+              <a:rPr lang="en-US" altLang="ko-KR" dirty="0"/>
+              <a:t>				</a:t>
+            </a:r>
+          </a:p>
+          <a:p>
+            <a:pPr algn="ctr"/>
+            <a:endParaRPr lang="en-US" altLang="ko-KR" dirty="0"/>
+          </a:p>
+          <a:p>
+            <a:pPr algn="ctr"/>
+            <a:endParaRPr lang="en-US" altLang="ko-KR" dirty="0"/>
+          </a:p>
+          <a:p>
+            <a:pPr algn="ctr"/>
+            <a:endParaRPr lang="en-US" altLang="ko-KR" dirty="0"/>
+          </a:p>
+          <a:p>
+            <a:pPr algn="ctr"/>
+            <a:endParaRPr lang="en-US" altLang="ko-KR" dirty="0"/>
+          </a:p>
+          <a:p>
+            <a:pPr algn="ctr"/>
+            <a:endParaRPr lang="en-US" altLang="ko-KR" dirty="0"/>
+          </a:p>
+          <a:p>
+            <a:pPr algn="ctr"/>
+            <a:endParaRPr lang="en-US" altLang="ko-KR" dirty="0"/>
+          </a:p>
+          <a:p>
+            <a:pPr algn="ctr"/>
+            <a:endParaRPr lang="en-US" altLang="ko-KR" dirty="0"/>
+          </a:p>
+          <a:p>
+            <a:pPr algn="ctr"/>
+            <a:endParaRPr lang="en-US" altLang="ko-KR" dirty="0"/>
+          </a:p>
+          <a:p>
+            <a:pPr algn="ctr"/>
+            <a:endParaRPr lang="ko-KR" altLang="en-US" dirty="0"/>
           </a:p>
         </p:txBody>
       </p:sp>

--- a/개인프로젝트_산출물/2.설계단계/화면설계.pptx
+++ b/개인프로젝트_산출물/2.설계단계/화면설계.pptx
@@ -10,6 +10,7 @@
     <p:sldId id="259" r:id="rId4"/>
     <p:sldId id="260" r:id="rId5"/>
     <p:sldId id="261" r:id="rId6"/>
+    <p:sldId id="262" r:id="rId7"/>
   </p:sldIdLst>
   <p:sldSz cx="12192000" cy="6858000"/>
   <p:notesSz cx="6858000" cy="9144000"/>
@@ -118,6 +119,7 @@
             <p14:sldId id="259"/>
             <p14:sldId id="260"/>
             <p14:sldId id="261"/>
+            <p14:sldId id="262"/>
           </p14:sldIdLst>
         </p14:section>
       </p14:sectionLst>
@@ -4737,929 +4739,1059 @@
           <a:chExt cx="0" cy="0"/>
         </a:xfrm>
       </p:grpSpPr>
-      <p:sp>
-        <p:nvSpPr>
-          <p:cNvPr id="2" name="직사각형 1">
-            <a:extLst>
-              <a:ext uri="{FF2B5EF4-FFF2-40B4-BE49-F238E27FC236}">
-                <a16:creationId xmlns:a16="http://schemas.microsoft.com/office/drawing/2014/main" id="{05CAC0D5-12B2-8674-37A4-2AFF69C01C26}"/>
-              </a:ext>
-            </a:extLst>
-          </p:cNvPr>
-          <p:cNvSpPr/>
+      <p:graphicFrame>
+        <p:nvGraphicFramePr>
+          <p:cNvPr id="21" name="표 21">
+            <a:extLst>
+              <a:ext uri="{FF2B5EF4-FFF2-40B4-BE49-F238E27FC236}">
+                <a16:creationId xmlns:a16="http://schemas.microsoft.com/office/drawing/2014/main" id="{48A39A74-F880-5FCD-4746-048BDC3A5837}"/>
+              </a:ext>
+            </a:extLst>
+          </p:cNvPr>
+          <p:cNvGraphicFramePr>
+            <a:graphicFrameLocks noGrp="1"/>
+          </p:cNvGraphicFramePr>
+          <p:nvPr>
+            <p:extLst>
+              <p:ext uri="{D42A27DB-BD31-4B8C-83A1-F6EECF244321}">
+                <p14:modId xmlns:p14="http://schemas.microsoft.com/office/powerpoint/2010/main" val="1197464752"/>
+              </p:ext>
+            </p:extLst>
+          </p:nvPr>
+        </p:nvGraphicFramePr>
+        <p:xfrm>
+          <a:off x="1958110" y="1791080"/>
+          <a:ext cx="8127999" cy="2595880"/>
+        </p:xfrm>
+        <a:graphic>
+          <a:graphicData uri="http://schemas.openxmlformats.org/drawingml/2006/table">
+            <a:tbl>
+              <a:tblPr firstRow="1" bandRow="1">
+                <a:tableStyleId>{F5AB1C69-6EDB-4FF4-983F-18BD219EF322}</a:tableStyleId>
+              </a:tblPr>
+              <a:tblGrid>
+                <a:gridCol w="2709333">
+                  <a:extLst>
+                    <a:ext uri="{9D8B030D-6E8A-4147-A177-3AD203B41FA5}">
+                      <a16:colId xmlns:a16="http://schemas.microsoft.com/office/drawing/2014/main" val="945547124"/>
+                    </a:ext>
+                  </a:extLst>
+                </a:gridCol>
+                <a:gridCol w="2709333">
+                  <a:extLst>
+                    <a:ext uri="{9D8B030D-6E8A-4147-A177-3AD203B41FA5}">
+                      <a16:colId xmlns:a16="http://schemas.microsoft.com/office/drawing/2014/main" val="2728511977"/>
+                    </a:ext>
+                  </a:extLst>
+                </a:gridCol>
+                <a:gridCol w="2709333">
+                  <a:extLst>
+                    <a:ext uri="{9D8B030D-6E8A-4147-A177-3AD203B41FA5}">
+                      <a16:colId xmlns:a16="http://schemas.microsoft.com/office/drawing/2014/main" val="2355637220"/>
+                    </a:ext>
+                  </a:extLst>
+                </a:gridCol>
+              </a:tblGrid>
+              <a:tr h="370840">
+                <a:tc>
+                  <a:txBody>
+                    <a:bodyPr/>
+                    <a:lstStyle/>
+                    <a:p>
+                      <a:pPr latinLnBrk="1"/>
+                      <a:r>
+                        <a:rPr lang="en-US" altLang="ko-KR" dirty="0"/>
+                        <a:t>Id</a:t>
+                      </a:r>
+                      <a:endParaRPr lang="ko-KR" altLang="en-US" dirty="0"/>
+                    </a:p>
+                  </a:txBody>
+                  <a:tcPr/>
+                </a:tc>
+                <a:tc>
+                  <a:txBody>
+                    <a:bodyPr/>
+                    <a:lstStyle/>
+                    <a:p>
+                      <a:pPr latinLnBrk="1"/>
+                      <a:r>
+                        <a:rPr lang="ko-KR" altLang="en-US" dirty="0"/>
+                        <a:t>이메일</a:t>
+                      </a:r>
+                    </a:p>
+                  </a:txBody>
+                  <a:tcPr/>
+                </a:tc>
+                <a:tc>
+                  <a:txBody>
+                    <a:bodyPr/>
+                    <a:lstStyle/>
+                    <a:p>
+                      <a:pPr latinLnBrk="1"/>
+                      <a:r>
+                        <a:rPr lang="ko-KR" altLang="en-US" dirty="0"/>
+                        <a:t>로그인 시간</a:t>
+                      </a:r>
+                    </a:p>
+                  </a:txBody>
+                  <a:tcPr/>
+                </a:tc>
+                <a:extLst>
+                  <a:ext uri="{0D108BD9-81ED-4DB2-BD59-A6C34878D82A}">
+                    <a16:rowId xmlns:a16="http://schemas.microsoft.com/office/drawing/2014/main" val="2529831280"/>
+                  </a:ext>
+                </a:extLst>
+              </a:tr>
+              <a:tr h="370840">
+                <a:tc>
+                  <a:txBody>
+                    <a:bodyPr/>
+                    <a:lstStyle/>
+                    <a:p>
+                      <a:pPr latinLnBrk="1"/>
+                      <a:r>
+                        <a:rPr lang="en-US" altLang="ko-KR" dirty="0"/>
+                        <a:t>1</a:t>
+                      </a:r>
+                      <a:endParaRPr lang="ko-KR" altLang="en-US" dirty="0"/>
+                    </a:p>
+                  </a:txBody>
+                  <a:tcPr/>
+                </a:tc>
+                <a:tc>
+                  <a:txBody>
+                    <a:bodyPr/>
+                    <a:lstStyle/>
+                    <a:p>
+                      <a:pPr latinLnBrk="1"/>
+                      <a:r>
+                        <a:rPr lang="en-US" altLang="ko-KR" dirty="0"/>
+                        <a:t>user@naver.com</a:t>
+                      </a:r>
+                      <a:endParaRPr lang="ko-KR" altLang="en-US" dirty="0"/>
+                    </a:p>
+                  </a:txBody>
+                  <a:tcPr/>
+                </a:tc>
+                <a:tc>
+                  <a:txBody>
+                    <a:bodyPr/>
+                    <a:lstStyle/>
+                    <a:p>
+                      <a:pPr latinLnBrk="1"/>
+                      <a:endParaRPr lang="ko-KR" altLang="en-US" dirty="0"/>
+                    </a:p>
+                  </a:txBody>
+                  <a:tcPr/>
+                </a:tc>
+                <a:extLst>
+                  <a:ext uri="{0D108BD9-81ED-4DB2-BD59-A6C34878D82A}">
+                    <a16:rowId xmlns:a16="http://schemas.microsoft.com/office/drawing/2014/main" val="303869010"/>
+                  </a:ext>
+                </a:extLst>
+              </a:tr>
+              <a:tr h="370840">
+                <a:tc>
+                  <a:txBody>
+                    <a:bodyPr/>
+                    <a:lstStyle/>
+                    <a:p>
+                      <a:pPr latinLnBrk="1"/>
+                      <a:r>
+                        <a:rPr lang="en-US" altLang="ko-KR" dirty="0"/>
+                        <a:t>2</a:t>
+                      </a:r>
+                      <a:endParaRPr lang="ko-KR" altLang="en-US" dirty="0"/>
+                    </a:p>
+                  </a:txBody>
+                  <a:tcPr/>
+                </a:tc>
+                <a:tc>
+                  <a:txBody>
+                    <a:bodyPr/>
+                    <a:lstStyle/>
+                    <a:p>
+                      <a:pPr marL="0" marR="0" lvl="0" indent="0" algn="l" defTabSz="914400" rtl="0" eaLnBrk="1" fontAlgn="auto" latinLnBrk="1" hangingPunct="1">
+                        <a:lnSpc>
+                          <a:spcPct val="100000"/>
+                        </a:lnSpc>
+                        <a:spcBef>
+                          <a:spcPts val="0"/>
+                        </a:spcBef>
+                        <a:spcAft>
+                          <a:spcPts val="0"/>
+                        </a:spcAft>
+                        <a:buClrTx/>
+                        <a:buSzTx/>
+                        <a:buFontTx/>
+                        <a:buNone/>
+                        <a:tabLst/>
+                        <a:defRPr/>
+                      </a:pPr>
+                      <a:r>
+                        <a:rPr lang="en-US" altLang="ko-KR" dirty="0">
+                          <a:hlinkClick r:id="rId2"/>
+                        </a:rPr>
+                        <a:t>user@naver.com</a:t>
+                      </a:r>
+                      <a:endParaRPr lang="ko-KR" altLang="en-US" dirty="0"/>
+                    </a:p>
+                  </a:txBody>
+                  <a:tcPr/>
+                </a:tc>
+                <a:tc>
+                  <a:txBody>
+                    <a:bodyPr/>
+                    <a:lstStyle/>
+                    <a:p>
+                      <a:pPr latinLnBrk="1"/>
+                      <a:endParaRPr lang="ko-KR" altLang="en-US" dirty="0"/>
+                    </a:p>
+                  </a:txBody>
+                  <a:tcPr/>
+                </a:tc>
+                <a:extLst>
+                  <a:ext uri="{0D108BD9-81ED-4DB2-BD59-A6C34878D82A}">
+                    <a16:rowId xmlns:a16="http://schemas.microsoft.com/office/drawing/2014/main" val="2806770972"/>
+                  </a:ext>
+                </a:extLst>
+              </a:tr>
+              <a:tr h="370840">
+                <a:tc>
+                  <a:txBody>
+                    <a:bodyPr/>
+                    <a:lstStyle/>
+                    <a:p>
+                      <a:pPr latinLnBrk="1"/>
+                      <a:r>
+                        <a:rPr lang="en-US" altLang="ko-KR" dirty="0"/>
+                        <a:t>3</a:t>
+                      </a:r>
+                      <a:endParaRPr lang="ko-KR" altLang="en-US" dirty="0"/>
+                    </a:p>
+                  </a:txBody>
+                  <a:tcPr/>
+                </a:tc>
+                <a:tc>
+                  <a:txBody>
+                    <a:bodyPr/>
+                    <a:lstStyle/>
+                    <a:p>
+                      <a:pPr marL="0" marR="0" lvl="0" indent="0" algn="l" defTabSz="914400" rtl="0" eaLnBrk="1" fontAlgn="auto" latinLnBrk="1" hangingPunct="1">
+                        <a:lnSpc>
+                          <a:spcPct val="100000"/>
+                        </a:lnSpc>
+                        <a:spcBef>
+                          <a:spcPts val="0"/>
+                        </a:spcBef>
+                        <a:spcAft>
+                          <a:spcPts val="0"/>
+                        </a:spcAft>
+                        <a:buClrTx/>
+                        <a:buSzTx/>
+                        <a:buFontTx/>
+                        <a:buNone/>
+                        <a:tabLst/>
+                        <a:defRPr/>
+                      </a:pPr>
+                      <a:r>
+                        <a:rPr lang="en-US" altLang="ko-KR" dirty="0">
+                          <a:hlinkClick r:id="rId2"/>
+                        </a:rPr>
+                        <a:t>user@naver.com</a:t>
+                      </a:r>
+                      <a:endParaRPr lang="ko-KR" altLang="en-US" dirty="0"/>
+                    </a:p>
+                  </a:txBody>
+                  <a:tcPr/>
+                </a:tc>
+                <a:tc>
+                  <a:txBody>
+                    <a:bodyPr/>
+                    <a:lstStyle/>
+                    <a:p>
+                      <a:pPr latinLnBrk="1"/>
+                      <a:endParaRPr lang="ko-KR" altLang="en-US" dirty="0"/>
+                    </a:p>
+                  </a:txBody>
+                  <a:tcPr/>
+                </a:tc>
+                <a:extLst>
+                  <a:ext uri="{0D108BD9-81ED-4DB2-BD59-A6C34878D82A}">
+                    <a16:rowId xmlns:a16="http://schemas.microsoft.com/office/drawing/2014/main" val="31965833"/>
+                  </a:ext>
+                </a:extLst>
+              </a:tr>
+              <a:tr h="370840">
+                <a:tc>
+                  <a:txBody>
+                    <a:bodyPr/>
+                    <a:lstStyle/>
+                    <a:p>
+                      <a:pPr latinLnBrk="1"/>
+                      <a:r>
+                        <a:rPr lang="en-US" altLang="ko-KR" dirty="0"/>
+                        <a:t>4</a:t>
+                      </a:r>
+                      <a:endParaRPr lang="ko-KR" altLang="en-US" dirty="0"/>
+                    </a:p>
+                  </a:txBody>
+                  <a:tcPr/>
+                </a:tc>
+                <a:tc>
+                  <a:txBody>
+                    <a:bodyPr/>
+                    <a:lstStyle/>
+                    <a:p>
+                      <a:pPr marL="0" marR="0" lvl="0" indent="0" algn="l" defTabSz="914400" rtl="0" eaLnBrk="1" fontAlgn="auto" latinLnBrk="1" hangingPunct="1">
+                        <a:lnSpc>
+                          <a:spcPct val="100000"/>
+                        </a:lnSpc>
+                        <a:spcBef>
+                          <a:spcPts val="0"/>
+                        </a:spcBef>
+                        <a:spcAft>
+                          <a:spcPts val="0"/>
+                        </a:spcAft>
+                        <a:buClrTx/>
+                        <a:buSzTx/>
+                        <a:buFontTx/>
+                        <a:buNone/>
+                        <a:tabLst/>
+                        <a:defRPr/>
+                      </a:pPr>
+                      <a:r>
+                        <a:rPr lang="en-US" altLang="ko-KR" dirty="0">
+                          <a:hlinkClick r:id="rId2"/>
+                        </a:rPr>
+                        <a:t>user@naver.com</a:t>
+                      </a:r>
+                      <a:endParaRPr lang="ko-KR" altLang="en-US" dirty="0"/>
+                    </a:p>
+                  </a:txBody>
+                  <a:tcPr/>
+                </a:tc>
+                <a:tc>
+                  <a:txBody>
+                    <a:bodyPr/>
+                    <a:lstStyle/>
+                    <a:p>
+                      <a:pPr latinLnBrk="1"/>
+                      <a:endParaRPr lang="ko-KR" altLang="en-US" dirty="0"/>
+                    </a:p>
+                  </a:txBody>
+                  <a:tcPr/>
+                </a:tc>
+                <a:extLst>
+                  <a:ext uri="{0D108BD9-81ED-4DB2-BD59-A6C34878D82A}">
+                    <a16:rowId xmlns:a16="http://schemas.microsoft.com/office/drawing/2014/main" val="3125539255"/>
+                  </a:ext>
+                </a:extLst>
+              </a:tr>
+              <a:tr h="370840">
+                <a:tc>
+                  <a:txBody>
+                    <a:bodyPr/>
+                    <a:lstStyle/>
+                    <a:p>
+                      <a:pPr latinLnBrk="1"/>
+                      <a:r>
+                        <a:rPr lang="en-US" altLang="ko-KR" dirty="0"/>
+                        <a:t>5</a:t>
+                      </a:r>
+                      <a:endParaRPr lang="ko-KR" altLang="en-US" dirty="0"/>
+                    </a:p>
+                  </a:txBody>
+                  <a:tcPr/>
+                </a:tc>
+                <a:tc>
+                  <a:txBody>
+                    <a:bodyPr/>
+                    <a:lstStyle/>
+                    <a:p>
+                      <a:pPr marL="0" marR="0" lvl="0" indent="0" algn="l" defTabSz="914400" rtl="0" eaLnBrk="1" fontAlgn="auto" latinLnBrk="1" hangingPunct="1">
+                        <a:lnSpc>
+                          <a:spcPct val="100000"/>
+                        </a:lnSpc>
+                        <a:spcBef>
+                          <a:spcPts val="0"/>
+                        </a:spcBef>
+                        <a:spcAft>
+                          <a:spcPts val="0"/>
+                        </a:spcAft>
+                        <a:buClrTx/>
+                        <a:buSzTx/>
+                        <a:buFontTx/>
+                        <a:buNone/>
+                        <a:tabLst/>
+                        <a:defRPr/>
+                      </a:pPr>
+                      <a:r>
+                        <a:rPr lang="en-US" altLang="ko-KR" dirty="0">
+                          <a:hlinkClick r:id="rId2"/>
+                        </a:rPr>
+                        <a:t>user@naver.com</a:t>
+                      </a:r>
+                      <a:endParaRPr lang="ko-KR" altLang="en-US" dirty="0"/>
+                    </a:p>
+                  </a:txBody>
+                  <a:tcPr/>
+                </a:tc>
+                <a:tc>
+                  <a:txBody>
+                    <a:bodyPr/>
+                    <a:lstStyle/>
+                    <a:p>
+                      <a:pPr latinLnBrk="1"/>
+                      <a:endParaRPr lang="ko-KR" altLang="en-US" dirty="0"/>
+                    </a:p>
+                  </a:txBody>
+                  <a:tcPr/>
+                </a:tc>
+                <a:extLst>
+                  <a:ext uri="{0D108BD9-81ED-4DB2-BD59-A6C34878D82A}">
+                    <a16:rowId xmlns:a16="http://schemas.microsoft.com/office/drawing/2014/main" val="3755745480"/>
+                  </a:ext>
+                </a:extLst>
+              </a:tr>
+              <a:tr h="370840">
+                <a:tc>
+                  <a:txBody>
+                    <a:bodyPr/>
+                    <a:lstStyle/>
+                    <a:p>
+                      <a:pPr latinLnBrk="1"/>
+                      <a:r>
+                        <a:rPr lang="en-US" altLang="ko-KR" dirty="0"/>
+                        <a:t>6</a:t>
+                      </a:r>
+                      <a:endParaRPr lang="ko-KR" altLang="en-US" dirty="0"/>
+                    </a:p>
+                  </a:txBody>
+                  <a:tcPr/>
+                </a:tc>
+                <a:tc>
+                  <a:txBody>
+                    <a:bodyPr/>
+                    <a:lstStyle/>
+                    <a:p>
+                      <a:pPr marL="0" marR="0" lvl="0" indent="0" algn="l" defTabSz="914400" rtl="0" eaLnBrk="1" fontAlgn="auto" latinLnBrk="1" hangingPunct="1">
+                        <a:lnSpc>
+                          <a:spcPct val="100000"/>
+                        </a:lnSpc>
+                        <a:spcBef>
+                          <a:spcPts val="0"/>
+                        </a:spcBef>
+                        <a:spcAft>
+                          <a:spcPts val="0"/>
+                        </a:spcAft>
+                        <a:buClrTx/>
+                        <a:buSzTx/>
+                        <a:buFontTx/>
+                        <a:buNone/>
+                        <a:tabLst/>
+                        <a:defRPr/>
+                      </a:pPr>
+                      <a:r>
+                        <a:rPr lang="en-US" altLang="ko-KR" dirty="0"/>
+                        <a:t>user@naver.com</a:t>
+                      </a:r>
+                      <a:endParaRPr lang="ko-KR" altLang="en-US" dirty="0"/>
+                    </a:p>
+                  </a:txBody>
+                  <a:tcPr/>
+                </a:tc>
+                <a:tc>
+                  <a:txBody>
+                    <a:bodyPr/>
+                    <a:lstStyle/>
+                    <a:p>
+                      <a:pPr latinLnBrk="1"/>
+                      <a:endParaRPr lang="ko-KR" altLang="en-US" dirty="0"/>
+                    </a:p>
+                  </a:txBody>
+                  <a:tcPr/>
+                </a:tc>
+                <a:extLst>
+                  <a:ext uri="{0D108BD9-81ED-4DB2-BD59-A6C34878D82A}">
+                    <a16:rowId xmlns:a16="http://schemas.microsoft.com/office/drawing/2014/main" val="1601081395"/>
+                  </a:ext>
+                </a:extLst>
+              </a:tr>
+            </a:tbl>
+          </a:graphicData>
+        </a:graphic>
+      </p:graphicFrame>
+      <p:sp>
+        <p:nvSpPr>
+          <p:cNvPr id="23" name="TextBox 22">
+            <a:extLst>
+              <a:ext uri="{FF2B5EF4-FFF2-40B4-BE49-F238E27FC236}">
+                <a16:creationId xmlns:a16="http://schemas.microsoft.com/office/drawing/2014/main" id="{3601922E-0D4C-B418-AA38-54D2FE75C838}"/>
+              </a:ext>
+            </a:extLst>
+          </p:cNvPr>
+          <p:cNvSpPr txBox="1"/>
           <p:nvPr/>
         </p:nvSpPr>
         <p:spPr>
           <a:xfrm>
-            <a:off x="1366982" y="1838036"/>
-            <a:ext cx="2401454" cy="4341091"/>
+            <a:off x="1958110" y="1237673"/>
+            <a:ext cx="1420582" cy="369332"/>
           </a:xfrm>
           <a:prstGeom prst="rect">
             <a:avLst/>
           </a:prstGeom>
+          <a:noFill/>
         </p:spPr>
-        <p:style>
-          <a:lnRef idx="2">
-            <a:schemeClr val="dk1"/>
-          </a:lnRef>
-          <a:fillRef idx="1">
-            <a:schemeClr val="lt1"/>
-          </a:fillRef>
-          <a:effectRef idx="0">
-            <a:schemeClr val="dk1"/>
-          </a:effectRef>
-          <a:fontRef idx="minor">
-            <a:schemeClr val="dk1"/>
-          </a:fontRef>
-        </p:style>
-        <p:txBody>
-          <a:bodyPr rtlCol="0" anchor="ctr"/>
+        <p:txBody>
+          <a:bodyPr wrap="none" rtlCol="0">
+            <a:spAutoFit/>
+          </a:bodyPr>
           <a:lstStyle/>
           <a:p>
-            <a:pPr algn="ctr"/>
-            <a:r>
-              <a:rPr lang="ko-KR" altLang="en-US" dirty="0" err="1"/>
-              <a:t>두류역</a:t>
-            </a:r>
-            <a:endParaRPr lang="en-US" altLang="ko-KR" dirty="0"/>
-          </a:p>
-          <a:p>
-            <a:pPr algn="ctr"/>
-            <a:r>
-              <a:rPr lang="ko-KR" altLang="en-US" dirty="0" err="1"/>
-              <a:t>반월당역</a:t>
-            </a:r>
-            <a:endParaRPr lang="en-US" altLang="ko-KR" dirty="0"/>
-          </a:p>
-          <a:p>
-            <a:pPr algn="ctr"/>
-            <a:endParaRPr lang="en-US" altLang="ko-KR" dirty="0"/>
-          </a:p>
-          <a:p>
-            <a:pPr algn="ctr"/>
-            <a:endParaRPr lang="en-US" altLang="ko-KR" dirty="0"/>
-          </a:p>
-          <a:p>
-            <a:pPr algn="ctr"/>
-            <a:endParaRPr lang="en-US" altLang="ko-KR" dirty="0"/>
-          </a:p>
-          <a:p>
-            <a:pPr algn="ctr"/>
-            <a:endParaRPr lang="en-US" altLang="ko-KR" dirty="0"/>
-          </a:p>
-          <a:p>
-            <a:pPr algn="ctr"/>
-            <a:endParaRPr lang="en-US" altLang="ko-KR" dirty="0"/>
-          </a:p>
-          <a:p>
-            <a:pPr algn="ctr"/>
-            <a:endParaRPr lang="en-US" altLang="ko-KR" dirty="0"/>
-          </a:p>
-          <a:p>
-            <a:pPr algn="ctr"/>
-            <a:endParaRPr lang="en-US" altLang="ko-KR" dirty="0"/>
-          </a:p>
-          <a:p>
-            <a:pPr algn="ctr"/>
-            <a:endParaRPr lang="ko-KR" altLang="en-US" dirty="0"/>
-          </a:p>
-        </p:txBody>
-      </p:sp>
-      <p:sp>
-        <p:nvSpPr>
-          <p:cNvPr id="3" name="직사각형 2">
-            <a:extLst>
-              <a:ext uri="{FF2B5EF4-FFF2-40B4-BE49-F238E27FC236}">
-                <a16:creationId xmlns:a16="http://schemas.microsoft.com/office/drawing/2014/main" id="{C8F081D3-8380-9FE5-77EB-7AC4D910C391}"/>
-              </a:ext>
-            </a:extLst>
-          </p:cNvPr>
-          <p:cNvSpPr/>
+            <a:r>
+              <a:rPr lang="ko-KR" altLang="en-US" dirty="0"/>
+              <a:t>로그인 이력</a:t>
+            </a:r>
+          </a:p>
+        </p:txBody>
+      </p:sp>
+    </p:spTree>
+    <p:extLst>
+      <p:ext uri="{BB962C8B-B14F-4D97-AF65-F5344CB8AC3E}">
+        <p14:creationId xmlns:p14="http://schemas.microsoft.com/office/powerpoint/2010/main" val="4038291233"/>
+      </p:ext>
+    </p:extLst>
+  </p:cSld>
+  <p:clrMapOvr>
+    <a:masterClrMapping/>
+  </p:clrMapOvr>
+</p:sld>
+</file>
+
+<file path=ppt/slides/slide6.xml><?xml version="1.0" encoding="utf-8"?>
+<p:sld xmlns:a="http://schemas.openxmlformats.org/drawingml/2006/main" xmlns:r="http://schemas.openxmlformats.org/officeDocument/2006/relationships" xmlns:p="http://schemas.openxmlformats.org/presentationml/2006/main">
+  <p:cSld>
+    <p:spTree>
+      <p:nvGrpSpPr>
+        <p:cNvPr id="1" name=""/>
+        <p:cNvGrpSpPr/>
+        <p:nvPr/>
+      </p:nvGrpSpPr>
+      <p:grpSpPr>
+        <a:xfrm>
+          <a:off x="0" y="0"/>
+          <a:ext cx="0" cy="0"/>
+          <a:chOff x="0" y="0"/>
+          <a:chExt cx="0" cy="0"/>
+        </a:xfrm>
+      </p:grpSpPr>
+      <p:graphicFrame>
+        <p:nvGraphicFramePr>
+          <p:cNvPr id="21" name="표 21">
+            <a:extLst>
+              <a:ext uri="{FF2B5EF4-FFF2-40B4-BE49-F238E27FC236}">
+                <a16:creationId xmlns:a16="http://schemas.microsoft.com/office/drawing/2014/main" id="{48A39A74-F880-5FCD-4746-048BDC3A5837}"/>
+              </a:ext>
+            </a:extLst>
+          </p:cNvPr>
+          <p:cNvGraphicFramePr>
+            <a:graphicFrameLocks noGrp="1"/>
+          </p:cNvGraphicFramePr>
+          <p:nvPr>
+            <p:extLst>
+              <p:ext uri="{D42A27DB-BD31-4B8C-83A1-F6EECF244321}">
+                <p14:modId xmlns:p14="http://schemas.microsoft.com/office/powerpoint/2010/main" val="2606819999"/>
+              </p:ext>
+            </p:extLst>
+          </p:nvPr>
+        </p:nvGraphicFramePr>
+        <p:xfrm>
+          <a:off x="1958110" y="1791080"/>
+          <a:ext cx="8127999" cy="2595880"/>
+        </p:xfrm>
+        <a:graphic>
+          <a:graphicData uri="http://schemas.openxmlformats.org/drawingml/2006/table">
+            <a:tbl>
+              <a:tblPr firstRow="1" bandRow="1">
+                <a:tableStyleId>{F5AB1C69-6EDB-4FF4-983F-18BD219EF322}</a:tableStyleId>
+              </a:tblPr>
+              <a:tblGrid>
+                <a:gridCol w="2709333">
+                  <a:extLst>
+                    <a:ext uri="{9D8B030D-6E8A-4147-A177-3AD203B41FA5}">
+                      <a16:colId xmlns:a16="http://schemas.microsoft.com/office/drawing/2014/main" val="945547124"/>
+                    </a:ext>
+                  </a:extLst>
+                </a:gridCol>
+                <a:gridCol w="2709333">
+                  <a:extLst>
+                    <a:ext uri="{9D8B030D-6E8A-4147-A177-3AD203B41FA5}">
+                      <a16:colId xmlns:a16="http://schemas.microsoft.com/office/drawing/2014/main" val="2728511977"/>
+                    </a:ext>
+                  </a:extLst>
+                </a:gridCol>
+                <a:gridCol w="2709333">
+                  <a:extLst>
+                    <a:ext uri="{9D8B030D-6E8A-4147-A177-3AD203B41FA5}">
+                      <a16:colId xmlns:a16="http://schemas.microsoft.com/office/drawing/2014/main" val="2355637220"/>
+                    </a:ext>
+                  </a:extLst>
+                </a:gridCol>
+              </a:tblGrid>
+              <a:tr h="370840">
+                <a:tc>
+                  <a:txBody>
+                    <a:bodyPr/>
+                    <a:lstStyle/>
+                    <a:p>
+                      <a:pPr latinLnBrk="1"/>
+                      <a:r>
+                        <a:rPr lang="en-US" altLang="ko-KR" dirty="0"/>
+                        <a:t>Id</a:t>
+                      </a:r>
+                      <a:endParaRPr lang="ko-KR" altLang="en-US" dirty="0"/>
+                    </a:p>
+                  </a:txBody>
+                  <a:tcPr/>
+                </a:tc>
+                <a:tc>
+                  <a:txBody>
+                    <a:bodyPr/>
+                    <a:lstStyle/>
+                    <a:p>
+                      <a:pPr latinLnBrk="1"/>
+                      <a:r>
+                        <a:rPr lang="ko-KR" altLang="en-US" dirty="0"/>
+                        <a:t>역 이름</a:t>
+                      </a:r>
+                    </a:p>
+                  </a:txBody>
+                  <a:tcPr/>
+                </a:tc>
+                <a:tc>
+                  <a:txBody>
+                    <a:bodyPr/>
+                    <a:lstStyle/>
+                    <a:p>
+                      <a:pPr latinLnBrk="1"/>
+                      <a:r>
+                        <a:rPr lang="ko-KR" altLang="en-US" dirty="0"/>
+                        <a:t>검색횟수</a:t>
+                      </a:r>
+                    </a:p>
+                  </a:txBody>
+                  <a:tcPr/>
+                </a:tc>
+                <a:extLst>
+                  <a:ext uri="{0D108BD9-81ED-4DB2-BD59-A6C34878D82A}">
+                    <a16:rowId xmlns:a16="http://schemas.microsoft.com/office/drawing/2014/main" val="2529831280"/>
+                  </a:ext>
+                </a:extLst>
+              </a:tr>
+              <a:tr h="370840">
+                <a:tc>
+                  <a:txBody>
+                    <a:bodyPr/>
+                    <a:lstStyle/>
+                    <a:p>
+                      <a:pPr latinLnBrk="1"/>
+                      <a:r>
+                        <a:rPr lang="en-US" altLang="ko-KR" dirty="0"/>
+                        <a:t>1</a:t>
+                      </a:r>
+                      <a:endParaRPr lang="ko-KR" altLang="en-US" dirty="0"/>
+                    </a:p>
+                  </a:txBody>
+                  <a:tcPr/>
+                </a:tc>
+                <a:tc>
+                  <a:txBody>
+                    <a:bodyPr/>
+                    <a:lstStyle/>
+                    <a:p>
+                      <a:pPr latinLnBrk="1"/>
+                      <a:r>
+                        <a:rPr lang="ko-KR" altLang="en-US" dirty="0"/>
+                        <a:t>서울역</a:t>
+                      </a:r>
+                    </a:p>
+                  </a:txBody>
+                  <a:tcPr/>
+                </a:tc>
+                <a:tc>
+                  <a:txBody>
+                    <a:bodyPr/>
+                    <a:lstStyle/>
+                    <a:p>
+                      <a:pPr latinLnBrk="1"/>
+                      <a:r>
+                        <a:rPr lang="en-US" altLang="ko-KR" dirty="0"/>
+                        <a:t>13</a:t>
+                      </a:r>
+                      <a:endParaRPr lang="ko-KR" altLang="en-US" dirty="0"/>
+                    </a:p>
+                  </a:txBody>
+                  <a:tcPr/>
+                </a:tc>
+                <a:extLst>
+                  <a:ext uri="{0D108BD9-81ED-4DB2-BD59-A6C34878D82A}">
+                    <a16:rowId xmlns:a16="http://schemas.microsoft.com/office/drawing/2014/main" val="303869010"/>
+                  </a:ext>
+                </a:extLst>
+              </a:tr>
+              <a:tr h="370840">
+                <a:tc>
+                  <a:txBody>
+                    <a:bodyPr/>
+                    <a:lstStyle/>
+                    <a:p>
+                      <a:pPr latinLnBrk="1"/>
+                      <a:r>
+                        <a:rPr lang="en-US" altLang="ko-KR" dirty="0"/>
+                        <a:t>2</a:t>
+                      </a:r>
+                      <a:endParaRPr lang="ko-KR" altLang="en-US" dirty="0"/>
+                    </a:p>
+                  </a:txBody>
+                  <a:tcPr/>
+                </a:tc>
+                <a:tc>
+                  <a:txBody>
+                    <a:bodyPr/>
+                    <a:lstStyle/>
+                    <a:p>
+                      <a:pPr marL="0" marR="0" lvl="0" indent="0" algn="l" defTabSz="914400" rtl="0" eaLnBrk="1" fontAlgn="auto" latinLnBrk="1" hangingPunct="1">
+                        <a:lnSpc>
+                          <a:spcPct val="100000"/>
+                        </a:lnSpc>
+                        <a:spcBef>
+                          <a:spcPts val="0"/>
+                        </a:spcBef>
+                        <a:spcAft>
+                          <a:spcPts val="0"/>
+                        </a:spcAft>
+                        <a:buClrTx/>
+                        <a:buSzTx/>
+                        <a:buFontTx/>
+                        <a:buNone/>
+                        <a:tabLst/>
+                        <a:defRPr/>
+                      </a:pPr>
+                      <a:r>
+                        <a:rPr lang="ko-KR" altLang="en-US" dirty="0" err="1"/>
+                        <a:t>잠실역</a:t>
+                      </a:r>
+                      <a:endParaRPr lang="ko-KR" altLang="en-US" dirty="0"/>
+                    </a:p>
+                  </a:txBody>
+                  <a:tcPr/>
+                </a:tc>
+                <a:tc>
+                  <a:txBody>
+                    <a:bodyPr/>
+                    <a:lstStyle/>
+                    <a:p>
+                      <a:pPr latinLnBrk="1"/>
+                      <a:r>
+                        <a:rPr lang="en-US" altLang="ko-KR" dirty="0"/>
+                        <a:t>11</a:t>
+                      </a:r>
+                      <a:endParaRPr lang="ko-KR" altLang="en-US" dirty="0"/>
+                    </a:p>
+                  </a:txBody>
+                  <a:tcPr/>
+                </a:tc>
+                <a:extLst>
+                  <a:ext uri="{0D108BD9-81ED-4DB2-BD59-A6C34878D82A}">
+                    <a16:rowId xmlns:a16="http://schemas.microsoft.com/office/drawing/2014/main" val="2806770972"/>
+                  </a:ext>
+                </a:extLst>
+              </a:tr>
+              <a:tr h="370840">
+                <a:tc>
+                  <a:txBody>
+                    <a:bodyPr/>
+                    <a:lstStyle/>
+                    <a:p>
+                      <a:pPr latinLnBrk="1"/>
+                      <a:r>
+                        <a:rPr lang="en-US" altLang="ko-KR" dirty="0"/>
+                        <a:t>3</a:t>
+                      </a:r>
+                      <a:endParaRPr lang="ko-KR" altLang="en-US" dirty="0"/>
+                    </a:p>
+                  </a:txBody>
+                  <a:tcPr/>
+                </a:tc>
+                <a:tc>
+                  <a:txBody>
+                    <a:bodyPr/>
+                    <a:lstStyle/>
+                    <a:p>
+                      <a:pPr marL="0" marR="0" lvl="0" indent="0" algn="l" defTabSz="914400" rtl="0" eaLnBrk="1" fontAlgn="auto" latinLnBrk="1" hangingPunct="1">
+                        <a:lnSpc>
+                          <a:spcPct val="100000"/>
+                        </a:lnSpc>
+                        <a:spcBef>
+                          <a:spcPts val="0"/>
+                        </a:spcBef>
+                        <a:spcAft>
+                          <a:spcPts val="0"/>
+                        </a:spcAft>
+                        <a:buClrTx/>
+                        <a:buSzTx/>
+                        <a:buFontTx/>
+                        <a:buNone/>
+                        <a:tabLst/>
+                        <a:defRPr/>
+                      </a:pPr>
+                      <a:endParaRPr lang="ko-KR" altLang="en-US" dirty="0"/>
+                    </a:p>
+                  </a:txBody>
+                  <a:tcPr/>
+                </a:tc>
+                <a:tc>
+                  <a:txBody>
+                    <a:bodyPr/>
+                    <a:lstStyle/>
+                    <a:p>
+                      <a:pPr latinLnBrk="1"/>
+                      <a:endParaRPr lang="ko-KR" altLang="en-US" dirty="0"/>
+                    </a:p>
+                  </a:txBody>
+                  <a:tcPr/>
+                </a:tc>
+                <a:extLst>
+                  <a:ext uri="{0D108BD9-81ED-4DB2-BD59-A6C34878D82A}">
+                    <a16:rowId xmlns:a16="http://schemas.microsoft.com/office/drawing/2014/main" val="31965833"/>
+                  </a:ext>
+                </a:extLst>
+              </a:tr>
+              <a:tr h="370840">
+                <a:tc>
+                  <a:txBody>
+                    <a:bodyPr/>
+                    <a:lstStyle/>
+                    <a:p>
+                      <a:pPr latinLnBrk="1"/>
+                      <a:r>
+                        <a:rPr lang="en-US" altLang="ko-KR" dirty="0"/>
+                        <a:t>4</a:t>
+                      </a:r>
+                      <a:endParaRPr lang="ko-KR" altLang="en-US" dirty="0"/>
+                    </a:p>
+                  </a:txBody>
+                  <a:tcPr/>
+                </a:tc>
+                <a:tc>
+                  <a:txBody>
+                    <a:bodyPr/>
+                    <a:lstStyle/>
+                    <a:p>
+                      <a:pPr marL="0" marR="0" lvl="0" indent="0" algn="l" defTabSz="914400" rtl="0" eaLnBrk="1" fontAlgn="auto" latinLnBrk="1" hangingPunct="1">
+                        <a:lnSpc>
+                          <a:spcPct val="100000"/>
+                        </a:lnSpc>
+                        <a:spcBef>
+                          <a:spcPts val="0"/>
+                        </a:spcBef>
+                        <a:spcAft>
+                          <a:spcPts val="0"/>
+                        </a:spcAft>
+                        <a:buClrTx/>
+                        <a:buSzTx/>
+                        <a:buFontTx/>
+                        <a:buNone/>
+                        <a:tabLst/>
+                        <a:defRPr/>
+                      </a:pPr>
+                      <a:endParaRPr lang="ko-KR" altLang="en-US" dirty="0"/>
+                    </a:p>
+                  </a:txBody>
+                  <a:tcPr/>
+                </a:tc>
+                <a:tc>
+                  <a:txBody>
+                    <a:bodyPr/>
+                    <a:lstStyle/>
+                    <a:p>
+                      <a:pPr latinLnBrk="1"/>
+                      <a:endParaRPr lang="ko-KR" altLang="en-US" dirty="0"/>
+                    </a:p>
+                  </a:txBody>
+                  <a:tcPr/>
+                </a:tc>
+                <a:extLst>
+                  <a:ext uri="{0D108BD9-81ED-4DB2-BD59-A6C34878D82A}">
+                    <a16:rowId xmlns:a16="http://schemas.microsoft.com/office/drawing/2014/main" val="3125539255"/>
+                  </a:ext>
+                </a:extLst>
+              </a:tr>
+              <a:tr h="370840">
+                <a:tc>
+                  <a:txBody>
+                    <a:bodyPr/>
+                    <a:lstStyle/>
+                    <a:p>
+                      <a:pPr latinLnBrk="1"/>
+                      <a:r>
+                        <a:rPr lang="en-US" altLang="ko-KR" dirty="0"/>
+                        <a:t>5</a:t>
+                      </a:r>
+                      <a:endParaRPr lang="ko-KR" altLang="en-US" dirty="0"/>
+                    </a:p>
+                  </a:txBody>
+                  <a:tcPr/>
+                </a:tc>
+                <a:tc>
+                  <a:txBody>
+                    <a:bodyPr/>
+                    <a:lstStyle/>
+                    <a:p>
+                      <a:pPr marL="0" marR="0" lvl="0" indent="0" algn="l" defTabSz="914400" rtl="0" eaLnBrk="1" fontAlgn="auto" latinLnBrk="1" hangingPunct="1">
+                        <a:lnSpc>
+                          <a:spcPct val="100000"/>
+                        </a:lnSpc>
+                        <a:spcBef>
+                          <a:spcPts val="0"/>
+                        </a:spcBef>
+                        <a:spcAft>
+                          <a:spcPts val="0"/>
+                        </a:spcAft>
+                        <a:buClrTx/>
+                        <a:buSzTx/>
+                        <a:buFontTx/>
+                        <a:buNone/>
+                        <a:tabLst/>
+                        <a:defRPr/>
+                      </a:pPr>
+                      <a:endParaRPr lang="ko-KR" altLang="en-US" dirty="0"/>
+                    </a:p>
+                  </a:txBody>
+                  <a:tcPr/>
+                </a:tc>
+                <a:tc>
+                  <a:txBody>
+                    <a:bodyPr/>
+                    <a:lstStyle/>
+                    <a:p>
+                      <a:pPr latinLnBrk="1"/>
+                      <a:endParaRPr lang="ko-KR" altLang="en-US" dirty="0"/>
+                    </a:p>
+                  </a:txBody>
+                  <a:tcPr/>
+                </a:tc>
+                <a:extLst>
+                  <a:ext uri="{0D108BD9-81ED-4DB2-BD59-A6C34878D82A}">
+                    <a16:rowId xmlns:a16="http://schemas.microsoft.com/office/drawing/2014/main" val="3755745480"/>
+                  </a:ext>
+                </a:extLst>
+              </a:tr>
+              <a:tr h="370840">
+                <a:tc>
+                  <a:txBody>
+                    <a:bodyPr/>
+                    <a:lstStyle/>
+                    <a:p>
+                      <a:pPr latinLnBrk="1"/>
+                      <a:r>
+                        <a:rPr lang="en-US" altLang="ko-KR" dirty="0"/>
+                        <a:t>6</a:t>
+                      </a:r>
+                      <a:endParaRPr lang="ko-KR" altLang="en-US" dirty="0"/>
+                    </a:p>
+                  </a:txBody>
+                  <a:tcPr/>
+                </a:tc>
+                <a:tc>
+                  <a:txBody>
+                    <a:bodyPr/>
+                    <a:lstStyle/>
+                    <a:p>
+                      <a:pPr marL="0" marR="0" lvl="0" indent="0" algn="l" defTabSz="914400" rtl="0" eaLnBrk="1" fontAlgn="auto" latinLnBrk="1" hangingPunct="1">
+                        <a:lnSpc>
+                          <a:spcPct val="100000"/>
+                        </a:lnSpc>
+                        <a:spcBef>
+                          <a:spcPts val="0"/>
+                        </a:spcBef>
+                        <a:spcAft>
+                          <a:spcPts val="0"/>
+                        </a:spcAft>
+                        <a:buClrTx/>
+                        <a:buSzTx/>
+                        <a:buFontTx/>
+                        <a:buNone/>
+                        <a:tabLst/>
+                        <a:defRPr/>
+                      </a:pPr>
+                      <a:endParaRPr lang="ko-KR" altLang="en-US" dirty="0"/>
+                    </a:p>
+                  </a:txBody>
+                  <a:tcPr/>
+                </a:tc>
+                <a:tc>
+                  <a:txBody>
+                    <a:bodyPr/>
+                    <a:lstStyle/>
+                    <a:p>
+                      <a:pPr latinLnBrk="1"/>
+                      <a:endParaRPr lang="ko-KR" altLang="en-US" dirty="0"/>
+                    </a:p>
+                  </a:txBody>
+                  <a:tcPr/>
+                </a:tc>
+                <a:extLst>
+                  <a:ext uri="{0D108BD9-81ED-4DB2-BD59-A6C34878D82A}">
+                    <a16:rowId xmlns:a16="http://schemas.microsoft.com/office/drawing/2014/main" val="1601081395"/>
+                  </a:ext>
+                </a:extLst>
+              </a:tr>
+            </a:tbl>
+          </a:graphicData>
+        </a:graphic>
+      </p:graphicFrame>
+      <p:sp>
+        <p:nvSpPr>
+          <p:cNvPr id="3" name="TextBox 2">
+            <a:extLst>
+              <a:ext uri="{FF2B5EF4-FFF2-40B4-BE49-F238E27FC236}">
+                <a16:creationId xmlns:a16="http://schemas.microsoft.com/office/drawing/2014/main" id="{18131B1B-ECF8-D458-66BF-17AEE5CE9EC5}"/>
+              </a:ext>
+            </a:extLst>
+          </p:cNvPr>
+          <p:cNvSpPr txBox="1"/>
           <p:nvPr/>
         </p:nvSpPr>
         <p:spPr>
           <a:xfrm>
-            <a:off x="1366982" y="1838036"/>
-            <a:ext cx="2401454" cy="665019"/>
+            <a:off x="1958109" y="1256145"/>
+            <a:ext cx="1311563" cy="369332"/>
           </a:xfrm>
           <a:prstGeom prst="rect">
             <a:avLst/>
           </a:prstGeom>
+          <a:noFill/>
         </p:spPr>
-        <p:style>
-          <a:lnRef idx="2">
-            <a:schemeClr val="dk1"/>
-          </a:lnRef>
-          <a:fillRef idx="1">
-            <a:schemeClr val="lt1"/>
-          </a:fillRef>
-          <a:effectRef idx="0">
-            <a:schemeClr val="dk1"/>
-          </a:effectRef>
-          <a:fontRef idx="minor">
-            <a:schemeClr val="dk1"/>
-          </a:fontRef>
-        </p:style>
-        <p:txBody>
-          <a:bodyPr rtlCol="0" anchor="ctr"/>
+        <p:txBody>
+          <a:bodyPr wrap="square" rtlCol="0">
+            <a:spAutoFit/>
+          </a:bodyPr>
           <a:lstStyle/>
           <a:p>
-            <a:pPr algn="ctr"/>
             <a:r>
               <a:rPr lang="ko-KR" altLang="en-US" dirty="0"/>
-              <a:t>역을 입력하세요</a:t>
-            </a:r>
-          </a:p>
-        </p:txBody>
-      </p:sp>
-      <p:sp>
-        <p:nvSpPr>
-          <p:cNvPr id="4" name="직사각형 3">
-            <a:extLst>
-              <a:ext uri="{FF2B5EF4-FFF2-40B4-BE49-F238E27FC236}">
-                <a16:creationId xmlns:a16="http://schemas.microsoft.com/office/drawing/2014/main" id="{438B0697-9DBE-A5BF-72F5-EA47A5958B4C}"/>
-              </a:ext>
-            </a:extLst>
-          </p:cNvPr>
-          <p:cNvSpPr/>
-          <p:nvPr/>
-        </p:nvSpPr>
-        <p:spPr>
-          <a:xfrm>
-            <a:off x="5467927" y="1838036"/>
-            <a:ext cx="1625600" cy="600364"/>
-          </a:xfrm>
-          <a:prstGeom prst="rect">
-            <a:avLst/>
-          </a:prstGeom>
-        </p:spPr>
-        <p:style>
-          <a:lnRef idx="2">
-            <a:schemeClr val="dk1"/>
-          </a:lnRef>
-          <a:fillRef idx="1">
-            <a:schemeClr val="lt1"/>
-          </a:fillRef>
-          <a:effectRef idx="0">
-            <a:schemeClr val="dk1"/>
-          </a:effectRef>
-          <a:fontRef idx="minor">
-            <a:schemeClr val="dk1"/>
-          </a:fontRef>
-        </p:style>
-        <p:txBody>
-          <a:bodyPr rtlCol="0" anchor="ctr"/>
-          <a:lstStyle/>
-          <a:p>
-            <a:pPr algn="ctr"/>
-            <a:endParaRPr lang="ko-KR" altLang="en-US"/>
-          </a:p>
-        </p:txBody>
-      </p:sp>
-      <p:sp>
-        <p:nvSpPr>
-          <p:cNvPr id="5" name="직사각형 4">
-            <a:extLst>
-              <a:ext uri="{FF2B5EF4-FFF2-40B4-BE49-F238E27FC236}">
-                <a16:creationId xmlns:a16="http://schemas.microsoft.com/office/drawing/2014/main" id="{C411DC2F-30A1-82DC-17DF-FF4BAE6CC926}"/>
-              </a:ext>
-            </a:extLst>
-          </p:cNvPr>
-          <p:cNvSpPr/>
-          <p:nvPr/>
-        </p:nvSpPr>
-        <p:spPr>
-          <a:xfrm>
-            <a:off x="4156364" y="1838036"/>
-            <a:ext cx="1311563" cy="600364"/>
-          </a:xfrm>
-          <a:prstGeom prst="rect">
-            <a:avLst/>
-          </a:prstGeom>
-        </p:spPr>
-        <p:style>
-          <a:lnRef idx="2">
-            <a:schemeClr val="dk1"/>
-          </a:lnRef>
-          <a:fillRef idx="1">
-            <a:schemeClr val="lt1"/>
-          </a:fillRef>
-          <a:effectRef idx="0">
-            <a:schemeClr val="dk1"/>
-          </a:effectRef>
-          <a:fontRef idx="minor">
-            <a:schemeClr val="dk1"/>
-          </a:fontRef>
-        </p:style>
-        <p:txBody>
-          <a:bodyPr rtlCol="0" anchor="ctr"/>
-          <a:lstStyle/>
-          <a:p>
-            <a:pPr algn="ctr"/>
-            <a:r>
-              <a:rPr lang="ko-KR" altLang="en-US" dirty="0" err="1"/>
-              <a:t>출발역</a:t>
-            </a:r>
-            <a:endParaRPr lang="ko-KR" altLang="en-US" dirty="0"/>
-          </a:p>
-        </p:txBody>
-      </p:sp>
-      <p:sp>
-        <p:nvSpPr>
-          <p:cNvPr id="6" name="직사각형 5">
-            <a:extLst>
-              <a:ext uri="{FF2B5EF4-FFF2-40B4-BE49-F238E27FC236}">
-                <a16:creationId xmlns:a16="http://schemas.microsoft.com/office/drawing/2014/main" id="{9F59D9B5-37A3-E46A-2B79-CD21E8ADDC9C}"/>
-              </a:ext>
-            </a:extLst>
-          </p:cNvPr>
-          <p:cNvSpPr/>
-          <p:nvPr/>
-        </p:nvSpPr>
-        <p:spPr>
-          <a:xfrm>
-            <a:off x="8885381" y="1838036"/>
-            <a:ext cx="1625600" cy="600364"/>
-          </a:xfrm>
-          <a:prstGeom prst="rect">
-            <a:avLst/>
-          </a:prstGeom>
-        </p:spPr>
-        <p:style>
-          <a:lnRef idx="2">
-            <a:schemeClr val="dk1"/>
-          </a:lnRef>
-          <a:fillRef idx="1">
-            <a:schemeClr val="lt1"/>
-          </a:fillRef>
-          <a:effectRef idx="0">
-            <a:schemeClr val="dk1"/>
-          </a:effectRef>
-          <a:fontRef idx="minor">
-            <a:schemeClr val="dk1"/>
-          </a:fontRef>
-        </p:style>
-        <p:txBody>
-          <a:bodyPr rtlCol="0" anchor="ctr"/>
-          <a:lstStyle/>
-          <a:p>
-            <a:pPr algn="ctr"/>
-            <a:endParaRPr lang="ko-KR" altLang="en-US"/>
-          </a:p>
-        </p:txBody>
-      </p:sp>
-      <p:sp>
-        <p:nvSpPr>
-          <p:cNvPr id="7" name="직사각형 6">
-            <a:extLst>
-              <a:ext uri="{FF2B5EF4-FFF2-40B4-BE49-F238E27FC236}">
-                <a16:creationId xmlns:a16="http://schemas.microsoft.com/office/drawing/2014/main" id="{005419A8-ACB1-A6CC-39B7-9BB050D67D1D}"/>
-              </a:ext>
-            </a:extLst>
-          </p:cNvPr>
-          <p:cNvSpPr/>
-          <p:nvPr/>
-        </p:nvSpPr>
-        <p:spPr>
-          <a:xfrm>
-            <a:off x="7573818" y="1838036"/>
-            <a:ext cx="1311563" cy="600364"/>
-          </a:xfrm>
-          <a:prstGeom prst="rect">
-            <a:avLst/>
-          </a:prstGeom>
-        </p:spPr>
-        <p:style>
-          <a:lnRef idx="2">
-            <a:schemeClr val="dk1"/>
-          </a:lnRef>
-          <a:fillRef idx="1">
-            <a:schemeClr val="lt1"/>
-          </a:fillRef>
-          <a:effectRef idx="0">
-            <a:schemeClr val="dk1"/>
-          </a:effectRef>
-          <a:fontRef idx="minor">
-            <a:schemeClr val="dk1"/>
-          </a:fontRef>
-        </p:style>
-        <p:txBody>
-          <a:bodyPr rtlCol="0" anchor="ctr"/>
-          <a:lstStyle/>
-          <a:p>
-            <a:pPr algn="ctr"/>
-            <a:r>
-              <a:rPr lang="ko-KR" altLang="en-US" dirty="0" err="1"/>
-              <a:t>도착역</a:t>
-            </a:r>
-            <a:endParaRPr lang="ko-KR" altLang="en-US" dirty="0"/>
-          </a:p>
-        </p:txBody>
-      </p:sp>
-      <p:cxnSp>
-        <p:nvCxnSpPr>
-          <p:cNvPr id="9" name="직선 연결선 8">
-            <a:extLst>
-              <a:ext uri="{FF2B5EF4-FFF2-40B4-BE49-F238E27FC236}">
-                <a16:creationId xmlns:a16="http://schemas.microsoft.com/office/drawing/2014/main" id="{9F4D797E-1377-B461-FC55-0090A49B2563}"/>
-              </a:ext>
-            </a:extLst>
-          </p:cNvPr>
-          <p:cNvCxnSpPr/>
-          <p:nvPr/>
-        </p:nvCxnSpPr>
-        <p:spPr>
-          <a:xfrm>
-            <a:off x="4479636" y="3214254"/>
-            <a:ext cx="5375564" cy="0"/>
-          </a:xfrm>
-          <a:prstGeom prst="line">
-            <a:avLst/>
-          </a:prstGeom>
-        </p:spPr>
-        <p:style>
-          <a:lnRef idx="1">
-            <a:schemeClr val="dk1"/>
-          </a:lnRef>
-          <a:fillRef idx="0">
-            <a:schemeClr val="dk1"/>
-          </a:fillRef>
-          <a:effectRef idx="0">
-            <a:schemeClr val="dk1"/>
-          </a:effectRef>
-          <a:fontRef idx="minor">
-            <a:schemeClr val="tx1"/>
-          </a:fontRef>
-        </p:style>
-      </p:cxnSp>
-      <p:sp>
-        <p:nvSpPr>
-          <p:cNvPr id="10" name="타원 9">
-            <a:extLst>
-              <a:ext uri="{FF2B5EF4-FFF2-40B4-BE49-F238E27FC236}">
-                <a16:creationId xmlns:a16="http://schemas.microsoft.com/office/drawing/2014/main" id="{59BD9A75-A857-DEE2-51B0-F8333773DA0D}"/>
-              </a:ext>
-            </a:extLst>
-          </p:cNvPr>
-          <p:cNvSpPr/>
-          <p:nvPr/>
-        </p:nvSpPr>
-        <p:spPr>
-          <a:xfrm>
-            <a:off x="4276436" y="2985653"/>
-            <a:ext cx="535709" cy="457201"/>
-          </a:xfrm>
-          <a:prstGeom prst="ellipse">
-            <a:avLst/>
-          </a:prstGeom>
-          <a:solidFill>
-            <a:schemeClr val="accent6"/>
-          </a:solidFill>
-        </p:spPr>
-        <p:style>
-          <a:lnRef idx="2">
-            <a:schemeClr val="dk1"/>
-          </a:lnRef>
-          <a:fillRef idx="1">
-            <a:schemeClr val="lt1"/>
-          </a:fillRef>
-          <a:effectRef idx="0">
-            <a:schemeClr val="dk1"/>
-          </a:effectRef>
-          <a:fontRef idx="minor">
-            <a:schemeClr val="dk1"/>
-          </a:fontRef>
-        </p:style>
-        <p:txBody>
-          <a:bodyPr rtlCol="0" anchor="ctr"/>
-          <a:lstStyle/>
-          <a:p>
-            <a:pPr algn="ctr"/>
-            <a:endParaRPr lang="ko-KR" altLang="en-US"/>
-          </a:p>
-        </p:txBody>
-      </p:sp>
-      <p:sp>
-        <p:nvSpPr>
-          <p:cNvPr id="11" name="타원 10">
-            <a:extLst>
-              <a:ext uri="{FF2B5EF4-FFF2-40B4-BE49-F238E27FC236}">
-                <a16:creationId xmlns:a16="http://schemas.microsoft.com/office/drawing/2014/main" id="{D574BD97-CCFF-8732-C9F0-4F29D36599F3}"/>
-              </a:ext>
-            </a:extLst>
-          </p:cNvPr>
-          <p:cNvSpPr/>
-          <p:nvPr/>
-        </p:nvSpPr>
-        <p:spPr>
-          <a:xfrm>
-            <a:off x="5523345" y="2985652"/>
-            <a:ext cx="535709" cy="457201"/>
-          </a:xfrm>
-          <a:prstGeom prst="ellipse">
-            <a:avLst/>
-          </a:prstGeom>
-          <a:solidFill>
-            <a:srgbClr val="FFFF00"/>
-          </a:solidFill>
-        </p:spPr>
-        <p:style>
-          <a:lnRef idx="2">
-            <a:schemeClr val="dk1"/>
-          </a:lnRef>
-          <a:fillRef idx="1">
-            <a:schemeClr val="lt1"/>
-          </a:fillRef>
-          <a:effectRef idx="0">
-            <a:schemeClr val="dk1"/>
-          </a:effectRef>
-          <a:fontRef idx="minor">
-            <a:schemeClr val="dk1"/>
-          </a:fontRef>
-        </p:style>
-        <p:txBody>
-          <a:bodyPr rtlCol="0" anchor="ctr"/>
-          <a:lstStyle/>
-          <a:p>
-            <a:pPr algn="ctr"/>
-            <a:endParaRPr lang="ko-KR" altLang="en-US"/>
-          </a:p>
-        </p:txBody>
-      </p:sp>
-      <p:sp>
-        <p:nvSpPr>
-          <p:cNvPr id="12" name="타원 11">
-            <a:extLst>
-              <a:ext uri="{FF2B5EF4-FFF2-40B4-BE49-F238E27FC236}">
-                <a16:creationId xmlns:a16="http://schemas.microsoft.com/office/drawing/2014/main" id="{64A6FC11-0AC6-E0A5-11F7-0D537DFCC520}"/>
-              </a:ext>
-            </a:extLst>
-          </p:cNvPr>
-          <p:cNvSpPr/>
-          <p:nvPr/>
-        </p:nvSpPr>
-        <p:spPr>
-          <a:xfrm>
-            <a:off x="7162799" y="2992578"/>
-            <a:ext cx="535709" cy="457201"/>
-          </a:xfrm>
-          <a:prstGeom prst="ellipse">
-            <a:avLst/>
-          </a:prstGeom>
-          <a:solidFill>
-            <a:srgbClr val="FF0000"/>
-          </a:solidFill>
-        </p:spPr>
-        <p:style>
-          <a:lnRef idx="2">
-            <a:schemeClr val="dk1"/>
-          </a:lnRef>
-          <a:fillRef idx="1">
-            <a:schemeClr val="lt1"/>
-          </a:fillRef>
-          <a:effectRef idx="0">
-            <a:schemeClr val="dk1"/>
-          </a:effectRef>
-          <a:fontRef idx="minor">
-            <a:schemeClr val="dk1"/>
-          </a:fontRef>
-        </p:style>
-        <p:txBody>
-          <a:bodyPr rtlCol="0" anchor="ctr"/>
-          <a:lstStyle/>
-          <a:p>
-            <a:pPr algn="ctr"/>
-            <a:endParaRPr lang="ko-KR" altLang="en-US"/>
-          </a:p>
-        </p:txBody>
-      </p:sp>
-      <p:sp>
-        <p:nvSpPr>
-          <p:cNvPr id="13" name="타원 12">
-            <a:extLst>
-              <a:ext uri="{FF2B5EF4-FFF2-40B4-BE49-F238E27FC236}">
-                <a16:creationId xmlns:a16="http://schemas.microsoft.com/office/drawing/2014/main" id="{9FD585DC-D7BF-DCC5-881D-C45CDB294AAB}"/>
-              </a:ext>
-            </a:extLst>
-          </p:cNvPr>
-          <p:cNvSpPr/>
-          <p:nvPr/>
-        </p:nvSpPr>
-        <p:spPr>
-          <a:xfrm>
-            <a:off x="8522852" y="3034143"/>
-            <a:ext cx="535709" cy="457201"/>
-          </a:xfrm>
-          <a:prstGeom prst="ellipse">
-            <a:avLst/>
-          </a:prstGeom>
-          <a:solidFill>
-            <a:srgbClr val="FF0000"/>
-          </a:solidFill>
-        </p:spPr>
-        <p:style>
-          <a:lnRef idx="2">
-            <a:schemeClr val="dk1"/>
-          </a:lnRef>
-          <a:fillRef idx="1">
-            <a:schemeClr val="lt1"/>
-          </a:fillRef>
-          <a:effectRef idx="0">
-            <a:schemeClr val="dk1"/>
-          </a:effectRef>
-          <a:fontRef idx="minor">
-            <a:schemeClr val="dk1"/>
-          </a:fontRef>
-        </p:style>
-        <p:txBody>
-          <a:bodyPr rtlCol="0" anchor="ctr"/>
-          <a:lstStyle/>
-          <a:p>
-            <a:pPr algn="ctr"/>
-            <a:endParaRPr lang="ko-KR" altLang="en-US"/>
-          </a:p>
-        </p:txBody>
-      </p:sp>
-      <p:sp>
-        <p:nvSpPr>
-          <p:cNvPr id="14" name="타원 13">
-            <a:extLst>
-              <a:ext uri="{FF2B5EF4-FFF2-40B4-BE49-F238E27FC236}">
-                <a16:creationId xmlns:a16="http://schemas.microsoft.com/office/drawing/2014/main" id="{4CDCD51A-7A7A-D5BD-EE4F-CD15309FBB9B}"/>
-              </a:ext>
-            </a:extLst>
-          </p:cNvPr>
-          <p:cNvSpPr/>
-          <p:nvPr/>
-        </p:nvSpPr>
-        <p:spPr>
-          <a:xfrm>
-            <a:off x="9615050" y="3034142"/>
-            <a:ext cx="535709" cy="457201"/>
-          </a:xfrm>
-          <a:prstGeom prst="ellipse">
-            <a:avLst/>
-          </a:prstGeom>
-          <a:solidFill>
-            <a:srgbClr val="FF0000"/>
-          </a:solidFill>
-        </p:spPr>
-        <p:style>
-          <a:lnRef idx="2">
-            <a:schemeClr val="dk1"/>
-          </a:lnRef>
-          <a:fillRef idx="1">
-            <a:schemeClr val="lt1"/>
-          </a:fillRef>
-          <a:effectRef idx="0">
-            <a:schemeClr val="dk1"/>
-          </a:effectRef>
-          <a:fontRef idx="minor">
-            <a:schemeClr val="dk1"/>
-          </a:fontRef>
-        </p:style>
-        <p:txBody>
-          <a:bodyPr rtlCol="0" anchor="ctr"/>
-          <a:lstStyle/>
-          <a:p>
-            <a:pPr algn="ctr"/>
-            <a:endParaRPr lang="ko-KR" altLang="en-US"/>
-          </a:p>
-        </p:txBody>
-      </p:sp>
-      <p:sp>
-        <p:nvSpPr>
-          <p:cNvPr id="15" name="별: 꼭짓점 5개 14">
-            <a:extLst>
-              <a:ext uri="{FF2B5EF4-FFF2-40B4-BE49-F238E27FC236}">
-                <a16:creationId xmlns:a16="http://schemas.microsoft.com/office/drawing/2014/main" id="{30B021F8-C82A-68D3-A608-729C018DF23B}"/>
-              </a:ext>
-            </a:extLst>
-          </p:cNvPr>
-          <p:cNvSpPr/>
-          <p:nvPr/>
-        </p:nvSpPr>
-        <p:spPr>
-          <a:xfrm>
-            <a:off x="10751127" y="1953490"/>
-            <a:ext cx="415637" cy="434109"/>
-          </a:xfrm>
-          <a:prstGeom prst="star5">
-            <a:avLst/>
-          </a:prstGeom>
-          <a:solidFill>
-            <a:srgbClr val="FFFF00"/>
-          </a:solidFill>
-        </p:spPr>
-        <p:style>
-          <a:lnRef idx="2">
-            <a:schemeClr val="dk1"/>
-          </a:lnRef>
-          <a:fillRef idx="1">
-            <a:schemeClr val="lt1"/>
-          </a:fillRef>
-          <a:effectRef idx="0">
-            <a:schemeClr val="dk1"/>
-          </a:effectRef>
-          <a:fontRef idx="minor">
-            <a:schemeClr val="dk1"/>
-          </a:fontRef>
-        </p:style>
-        <p:txBody>
-          <a:bodyPr rtlCol="0" anchor="ctr"/>
-          <a:lstStyle/>
-          <a:p>
-            <a:pPr algn="ctr"/>
-            <a:endParaRPr lang="ko-KR" altLang="en-US"/>
-          </a:p>
-        </p:txBody>
-      </p:sp>
-      <p:sp>
-        <p:nvSpPr>
-          <p:cNvPr id="8" name="직사각형 7">
-            <a:extLst>
-              <a:ext uri="{FF2B5EF4-FFF2-40B4-BE49-F238E27FC236}">
-                <a16:creationId xmlns:a16="http://schemas.microsoft.com/office/drawing/2014/main" id="{CE710E1A-F493-EB36-29FE-00BF4F3942B4}"/>
-              </a:ext>
-            </a:extLst>
-          </p:cNvPr>
-          <p:cNvSpPr/>
-          <p:nvPr/>
-        </p:nvSpPr>
-        <p:spPr>
-          <a:xfrm>
-            <a:off x="5874327" y="4087085"/>
-            <a:ext cx="886690" cy="457201"/>
-          </a:xfrm>
-          <a:prstGeom prst="rect">
-            <a:avLst/>
-          </a:prstGeom>
-          <a:solidFill>
-            <a:schemeClr val="accent6"/>
-          </a:solidFill>
-        </p:spPr>
-        <p:style>
-          <a:lnRef idx="2">
-            <a:schemeClr val="dk1"/>
-          </a:lnRef>
-          <a:fillRef idx="1">
-            <a:schemeClr val="lt1"/>
-          </a:fillRef>
-          <a:effectRef idx="0">
-            <a:schemeClr val="dk1"/>
-          </a:effectRef>
-          <a:fontRef idx="minor">
-            <a:schemeClr val="dk1"/>
-          </a:fontRef>
-        </p:style>
-        <p:txBody>
-          <a:bodyPr rtlCol="0" anchor="ctr"/>
-          <a:lstStyle/>
-          <a:p>
-            <a:pPr algn="ctr"/>
-            <a:endParaRPr lang="ko-KR" altLang="en-US"/>
-          </a:p>
-        </p:txBody>
-      </p:sp>
-      <p:sp>
-        <p:nvSpPr>
-          <p:cNvPr id="16" name="직사각형 15">
-            <a:extLst>
-              <a:ext uri="{FF2B5EF4-FFF2-40B4-BE49-F238E27FC236}">
-                <a16:creationId xmlns:a16="http://schemas.microsoft.com/office/drawing/2014/main" id="{91DAE988-504C-75EA-6223-CB02E518293A}"/>
-              </a:ext>
-            </a:extLst>
-          </p:cNvPr>
-          <p:cNvSpPr/>
-          <p:nvPr/>
-        </p:nvSpPr>
-        <p:spPr>
-          <a:xfrm>
-            <a:off x="6742546" y="4087085"/>
-            <a:ext cx="886690" cy="457201"/>
-          </a:xfrm>
-          <a:prstGeom prst="rect">
-            <a:avLst/>
-          </a:prstGeom>
-          <a:solidFill>
-            <a:schemeClr val="accent4"/>
-          </a:solidFill>
-        </p:spPr>
-        <p:style>
-          <a:lnRef idx="2">
-            <a:schemeClr val="dk1"/>
-          </a:lnRef>
-          <a:fillRef idx="1">
-            <a:schemeClr val="lt1"/>
-          </a:fillRef>
-          <a:effectRef idx="0">
-            <a:schemeClr val="dk1"/>
-          </a:effectRef>
-          <a:fontRef idx="minor">
-            <a:schemeClr val="dk1"/>
-          </a:fontRef>
-        </p:style>
-        <p:txBody>
-          <a:bodyPr rtlCol="0" anchor="ctr"/>
-          <a:lstStyle/>
-          <a:p>
-            <a:pPr algn="ctr"/>
-            <a:endParaRPr lang="ko-KR" altLang="en-US"/>
-          </a:p>
-        </p:txBody>
-      </p:sp>
-      <p:sp>
-        <p:nvSpPr>
-          <p:cNvPr id="17" name="직사각형 16">
-            <a:extLst>
-              <a:ext uri="{FF2B5EF4-FFF2-40B4-BE49-F238E27FC236}">
-                <a16:creationId xmlns:a16="http://schemas.microsoft.com/office/drawing/2014/main" id="{DD72D212-BBF1-62C8-2D8A-E49A670FB773}"/>
-              </a:ext>
-            </a:extLst>
-          </p:cNvPr>
-          <p:cNvSpPr/>
-          <p:nvPr/>
-        </p:nvSpPr>
-        <p:spPr>
-          <a:xfrm>
-            <a:off x="7629237" y="4087085"/>
-            <a:ext cx="886690" cy="457201"/>
-          </a:xfrm>
-          <a:prstGeom prst="rect">
-            <a:avLst/>
-          </a:prstGeom>
-          <a:solidFill>
-            <a:srgbClr val="FF0000"/>
-          </a:solidFill>
-        </p:spPr>
-        <p:style>
-          <a:lnRef idx="2">
-            <a:schemeClr val="dk1"/>
-          </a:lnRef>
-          <a:fillRef idx="1">
-            <a:schemeClr val="lt1"/>
-          </a:fillRef>
-          <a:effectRef idx="0">
-            <a:schemeClr val="dk1"/>
-          </a:effectRef>
-          <a:fontRef idx="minor">
-            <a:schemeClr val="dk1"/>
-          </a:fontRef>
-        </p:style>
-        <p:txBody>
-          <a:bodyPr rtlCol="0" anchor="ctr"/>
-          <a:lstStyle/>
-          <a:p>
-            <a:pPr algn="ctr"/>
-            <a:endParaRPr lang="ko-KR" altLang="en-US"/>
-          </a:p>
-        </p:txBody>
-      </p:sp>
-      <p:sp>
-        <p:nvSpPr>
-          <p:cNvPr id="18" name="직사각형 17">
-            <a:extLst>
-              <a:ext uri="{FF2B5EF4-FFF2-40B4-BE49-F238E27FC236}">
-                <a16:creationId xmlns:a16="http://schemas.microsoft.com/office/drawing/2014/main" id="{7C50BB59-04D2-FA84-3F09-B7B3AF6B2257}"/>
-              </a:ext>
-            </a:extLst>
-          </p:cNvPr>
-          <p:cNvSpPr/>
-          <p:nvPr/>
-        </p:nvSpPr>
-        <p:spPr>
-          <a:xfrm>
-            <a:off x="8525164" y="4087085"/>
-            <a:ext cx="886690" cy="457201"/>
-          </a:xfrm>
-          <a:prstGeom prst="rect">
-            <a:avLst/>
-          </a:prstGeom>
-          <a:solidFill>
-            <a:srgbClr val="C00000"/>
-          </a:solidFill>
-        </p:spPr>
-        <p:style>
-          <a:lnRef idx="2">
-            <a:schemeClr val="dk1"/>
-          </a:lnRef>
-          <a:fillRef idx="1">
-            <a:schemeClr val="lt1"/>
-          </a:fillRef>
-          <a:effectRef idx="0">
-            <a:schemeClr val="dk1"/>
-          </a:effectRef>
-          <a:fontRef idx="minor">
-            <a:schemeClr val="dk1"/>
-          </a:fontRef>
-        </p:style>
-        <p:txBody>
-          <a:bodyPr rtlCol="0" anchor="ctr"/>
-          <a:lstStyle/>
-          <a:p>
-            <a:pPr algn="ctr"/>
-            <a:endParaRPr lang="ko-KR" altLang="en-US"/>
-          </a:p>
-        </p:txBody>
-      </p:sp>
-      <p:sp>
-        <p:nvSpPr>
-          <p:cNvPr id="19" name="직사각형 18">
-            <a:extLst>
-              <a:ext uri="{FF2B5EF4-FFF2-40B4-BE49-F238E27FC236}">
-                <a16:creationId xmlns:a16="http://schemas.microsoft.com/office/drawing/2014/main" id="{E1497357-B679-E407-5CF1-D82A7393FC5A}"/>
-              </a:ext>
-            </a:extLst>
-          </p:cNvPr>
-          <p:cNvSpPr/>
-          <p:nvPr/>
-        </p:nvSpPr>
-        <p:spPr>
-          <a:xfrm>
-            <a:off x="9393383" y="4087085"/>
-            <a:ext cx="886690" cy="457201"/>
-          </a:xfrm>
-          <a:prstGeom prst="rect">
-            <a:avLst/>
-          </a:prstGeom>
-          <a:solidFill>
-            <a:srgbClr val="C00000"/>
-          </a:solidFill>
-        </p:spPr>
-        <p:style>
-          <a:lnRef idx="2">
-            <a:schemeClr val="dk1"/>
-          </a:lnRef>
-          <a:fillRef idx="1">
-            <a:schemeClr val="lt1"/>
-          </a:fillRef>
-          <a:effectRef idx="0">
-            <a:schemeClr val="dk1"/>
-          </a:effectRef>
-          <a:fontRef idx="minor">
-            <a:schemeClr val="dk1"/>
-          </a:fontRef>
-        </p:style>
-        <p:txBody>
-          <a:bodyPr rtlCol="0" anchor="ctr"/>
-          <a:lstStyle/>
-          <a:p>
-            <a:pPr algn="ctr"/>
-            <a:endParaRPr lang="ko-KR" altLang="en-US"/>
-          </a:p>
-        </p:txBody>
-      </p:sp>
-      <p:sp>
-        <p:nvSpPr>
-          <p:cNvPr id="20" name="직사각형 19">
-            <a:extLst>
-              <a:ext uri="{FF2B5EF4-FFF2-40B4-BE49-F238E27FC236}">
-                <a16:creationId xmlns:a16="http://schemas.microsoft.com/office/drawing/2014/main" id="{56559793-9CA8-C6AE-E987-602D870F670D}"/>
-              </a:ext>
-            </a:extLst>
-          </p:cNvPr>
-          <p:cNvSpPr/>
-          <p:nvPr/>
-        </p:nvSpPr>
-        <p:spPr>
-          <a:xfrm>
-            <a:off x="10280074" y="4087085"/>
-            <a:ext cx="886690" cy="457201"/>
-          </a:xfrm>
-          <a:prstGeom prst="rect">
-            <a:avLst/>
-          </a:prstGeom>
-          <a:solidFill>
-            <a:srgbClr val="FFFF00"/>
-          </a:solidFill>
-        </p:spPr>
-        <p:style>
-          <a:lnRef idx="2">
-            <a:schemeClr val="dk1"/>
-          </a:lnRef>
-          <a:fillRef idx="1">
-            <a:schemeClr val="lt1"/>
-          </a:fillRef>
-          <a:effectRef idx="0">
-            <a:schemeClr val="dk1"/>
-          </a:effectRef>
-          <a:fontRef idx="minor">
-            <a:schemeClr val="dk1"/>
-          </a:fontRef>
-        </p:style>
-        <p:txBody>
-          <a:bodyPr rtlCol="0" anchor="ctr"/>
-          <a:lstStyle/>
-          <a:p>
-            <a:pPr algn="ctr"/>
-            <a:endParaRPr lang="ko-KR" altLang="en-US"/>
+              <a:t>검색 이력</a:t>
+            </a:r>
           </a:p>
         </p:txBody>
       </p:sp>
     </p:spTree>
     <p:extLst>
       <p:ext uri="{BB962C8B-B14F-4D97-AF65-F5344CB8AC3E}">
-        <p14:creationId xmlns:p14="http://schemas.microsoft.com/office/powerpoint/2010/main" val="4038291233"/>
+        <p14:creationId xmlns:p14="http://schemas.microsoft.com/office/powerpoint/2010/main" val="1514482076"/>
       </p:ext>
     </p:extLst>
   </p:cSld>
